--- a/Documentation/files/Models_Textures/textures/road1.pptx
+++ b/Documentation/files/Models_Textures/textures/road1.pptx
@@ -6,8 +6,9 @@
   </p:sldMasterIdLst>
   <p:sldIdLst>
     <p:sldId id="256" r:id="rId2"/>
-    <p:sldId id="257" r:id="rId3"/>
-    <p:sldId id="258" r:id="rId4"/>
+    <p:sldId id="259" r:id="rId3"/>
+    <p:sldId id="257" r:id="rId4"/>
+    <p:sldId id="258" r:id="rId5"/>
   </p:sldIdLst>
   <p:sldSz cx="12192000" cy="6858000"/>
   <p:notesSz cx="6858000" cy="9144000"/>
@@ -106,6 +107,11 @@
       </a:defRPr>
     </a:lvl9pPr>
   </p:defaultTextStyle>
+  <p:extLst>
+    <p:ext uri="{EFAFB233-063F-42B5-8137-9DF3F51BA10A}">
+      <p15:sldGuideLst xmlns:p15="http://schemas.microsoft.com/office/powerpoint/2012/main"/>
+    </p:ext>
+  </p:extLst>
 </p:presentation>
 </file>
 
@@ -781,6 +787,139 @@
 </file>
 
 <file path=ppt/slides/slide1.xml><?xml version="1.0" encoding="utf-8"?>
+<p:sld xmlns:a="http://schemas.openxmlformats.org/drawingml/2006/main" xmlns:r="http://schemas.openxmlformats.org/officeDocument/2006/relationships" xmlns:p="http://schemas.openxmlformats.org/presentationml/2006/main">
+  <p:cSld>
+    <p:spTree>
+      <p:nvGrpSpPr>
+        <p:cNvPr id="1" name=""/>
+        <p:cNvGrpSpPr/>
+        <p:nvPr/>
+      </p:nvGrpSpPr>
+      <p:grpSpPr>
+        <a:xfrm>
+          <a:off x="0" y="0"/>
+          <a:ext cx="0" cy="0"/>
+          <a:chOff x="0" y="0"/>
+          <a:chExt cx="0" cy="0"/>
+        </a:xfrm>
+      </p:grpSpPr>
+      <p:sp>
+        <p:nvSpPr>
+          <p:cNvPr id="4" name="Rectángulo 3">
+            <a:extLst>
+              <a:ext uri="{FF2B5EF4-FFF2-40B4-BE49-F238E27FC236}">
+                <a16:creationId xmlns:a16="http://schemas.microsoft.com/office/drawing/2014/main" id="{A6301555-F5B1-4164-897D-2596429B4614}"/>
+              </a:ext>
+            </a:extLst>
+          </p:cNvPr>
+          <p:cNvSpPr/>
+          <p:nvPr/>
+        </p:nvSpPr>
+        <p:spPr>
+          <a:xfrm>
+            <a:off x="986828" y="356843"/>
+            <a:ext cx="7143184" cy="5576934"/>
+          </a:xfrm>
+          <a:prstGeom prst="rect">
+            <a:avLst/>
+          </a:prstGeom>
+          <a:solidFill>
+            <a:schemeClr val="tx1"/>
+          </a:solidFill>
+        </p:spPr>
+        <p:style>
+          <a:lnRef idx="2">
+            <a:schemeClr val="accent1">
+              <a:shade val="50000"/>
+            </a:schemeClr>
+          </a:lnRef>
+          <a:fillRef idx="1">
+            <a:schemeClr val="accent1"/>
+          </a:fillRef>
+          <a:effectRef idx="0">
+            <a:schemeClr val="accent1"/>
+          </a:effectRef>
+          <a:fontRef idx="minor">
+            <a:schemeClr val="lt1"/>
+          </a:fontRef>
+        </p:style>
+        <p:txBody>
+          <a:bodyPr rtlCol="0" anchor="ctr"/>
+          <a:lstStyle/>
+          <a:p>
+            <a:pPr algn="ctr"/>
+            <a:endParaRPr lang="ca-ES"/>
+          </a:p>
+        </p:txBody>
+      </p:sp>
+      <p:sp>
+        <p:nvSpPr>
+          <p:cNvPr id="5" name="Elipse 4">
+            <a:extLst>
+              <a:ext uri="{FF2B5EF4-FFF2-40B4-BE49-F238E27FC236}">
+                <a16:creationId xmlns:a16="http://schemas.microsoft.com/office/drawing/2014/main" id="{7DDEEFC5-85FE-4608-8C67-90F57EB31391}"/>
+              </a:ext>
+            </a:extLst>
+          </p:cNvPr>
+          <p:cNvSpPr/>
+          <p:nvPr/>
+        </p:nvSpPr>
+        <p:spPr>
+          <a:xfrm>
+            <a:off x="1865029" y="1086415"/>
+            <a:ext cx="5413965" cy="4137434"/>
+          </a:xfrm>
+          <a:prstGeom prst="ellipse">
+            <a:avLst/>
+          </a:prstGeom>
+          <a:noFill/>
+          <a:ln w="76200">
+            <a:solidFill>
+              <a:schemeClr val="bg1"/>
+            </a:solidFill>
+          </a:ln>
+        </p:spPr>
+        <p:style>
+          <a:lnRef idx="2">
+            <a:schemeClr val="accent1">
+              <a:shade val="50000"/>
+            </a:schemeClr>
+          </a:lnRef>
+          <a:fillRef idx="1">
+            <a:schemeClr val="accent1"/>
+          </a:fillRef>
+          <a:effectRef idx="0">
+            <a:schemeClr val="accent1"/>
+          </a:effectRef>
+          <a:fontRef idx="minor">
+            <a:schemeClr val="lt1"/>
+          </a:fontRef>
+        </p:style>
+        <p:txBody>
+          <a:bodyPr rtlCol="0" anchor="ctr"/>
+          <a:lstStyle/>
+          <a:p>
+            <a:pPr algn="ctr"/>
+            <a:endParaRPr lang="ca-ES">
+              <a:noFill/>
+            </a:endParaRPr>
+          </a:p>
+        </p:txBody>
+      </p:sp>
+    </p:spTree>
+    <p:extLst>
+      <p:ext uri="{BB962C8B-B14F-4D97-AF65-F5344CB8AC3E}">
+        <p14:creationId xmlns:p14="http://schemas.microsoft.com/office/powerpoint/2010/main" val="1836781412"/>
+      </p:ext>
+    </p:extLst>
+  </p:cSld>
+  <p:clrMapOvr>
+    <a:masterClrMapping/>
+  </p:clrMapOvr>
+</p:sld>
+</file>
+
+<file path=ppt/slides/slide2.xml><?xml version="1.0" encoding="utf-8"?>
 <p:sld xmlns:a="http://schemas.openxmlformats.org/drawingml/2006/main" xmlns:r="http://schemas.openxmlformats.org/officeDocument/2006/relationships" xmlns:p="http://schemas.openxmlformats.org/presentationml/2006/main">
   <p:cSld>
     <p:spTree>
@@ -1108,7 +1247,7 @@
     </p:spTree>
     <p:extLst>
       <p:ext uri="{BB962C8B-B14F-4D97-AF65-F5344CB8AC3E}">
-        <p14:creationId xmlns:p14="http://schemas.microsoft.com/office/powerpoint/2010/main" val="1836781412"/>
+        <p14:creationId xmlns:p14="http://schemas.microsoft.com/office/powerpoint/2010/main" val="2451244541"/>
       </p:ext>
     </p:extLst>
   </p:cSld>
@@ -1118,7 +1257,7 @@
 </p:sld>
 </file>
 
-<file path=ppt/slides/slide2.xml><?xml version="1.0" encoding="utf-8"?>
+<file path=ppt/slides/slide3.xml><?xml version="1.0" encoding="utf-8"?>
 <p:sld xmlns:a="http://schemas.openxmlformats.org/drawingml/2006/main" xmlns:r="http://schemas.openxmlformats.org/officeDocument/2006/relationships" xmlns:p="http://schemas.openxmlformats.org/presentationml/2006/main">
   <p:cSld>
     <p:spTree>
@@ -1255,7 +1394,7 @@
 </p:sld>
 </file>
 
-<file path=ppt/slides/slide3.xml><?xml version="1.0" encoding="utf-8"?>
+<file path=ppt/slides/slide4.xml><?xml version="1.0" encoding="utf-8"?>
 <p:sld xmlns:a="http://schemas.openxmlformats.org/drawingml/2006/main" xmlns:r="http://schemas.openxmlformats.org/officeDocument/2006/relationships" xmlns:p="http://schemas.openxmlformats.org/presentationml/2006/main">
   <p:cSld>
     <p:spTree>

--- a/Documentation/files/Models_Textures/textures/road1.pptx
+++ b/Documentation/files/Models_Textures/textures/road1.pptx
@@ -6,9 +6,10 @@
   </p:sldMasterIdLst>
   <p:sldIdLst>
     <p:sldId id="256" r:id="rId2"/>
-    <p:sldId id="259" r:id="rId3"/>
-    <p:sldId id="257" r:id="rId4"/>
-    <p:sldId id="258" r:id="rId5"/>
+    <p:sldId id="260" r:id="rId3"/>
+    <p:sldId id="259" r:id="rId4"/>
+    <p:sldId id="257" r:id="rId5"/>
+    <p:sldId id="258" r:id="rId6"/>
   </p:sldIdLst>
   <p:sldSz cx="12192000" cy="6858000"/>
   <p:notesSz cx="6858000" cy="9144000"/>
@@ -951,6 +952,248 @@
         <p:spPr>
           <a:xfrm>
             <a:off x="986828" y="356843"/>
+            <a:ext cx="7143184" cy="5576934"/>
+          </a:xfrm>
+          <a:prstGeom prst="rect">
+            <a:avLst/>
+          </a:prstGeom>
+          <a:solidFill>
+            <a:schemeClr val="tx1"/>
+          </a:solidFill>
+        </p:spPr>
+        <p:style>
+          <a:lnRef idx="2">
+            <a:schemeClr val="accent1">
+              <a:shade val="50000"/>
+            </a:schemeClr>
+          </a:lnRef>
+          <a:fillRef idx="1">
+            <a:schemeClr val="accent1"/>
+          </a:fillRef>
+          <a:effectRef idx="0">
+            <a:schemeClr val="accent1"/>
+          </a:effectRef>
+          <a:fontRef idx="minor">
+            <a:schemeClr val="lt1"/>
+          </a:fontRef>
+        </p:style>
+        <p:txBody>
+          <a:bodyPr rtlCol="0" anchor="ctr"/>
+          <a:lstStyle/>
+          <a:p>
+            <a:pPr algn="ctr"/>
+            <a:endParaRPr lang="ca-ES"/>
+          </a:p>
+        </p:txBody>
+      </p:sp>
+      <p:grpSp>
+        <p:nvGrpSpPr>
+          <p:cNvPr id="2" name="Grupo 1">
+            <a:extLst>
+              <a:ext uri="{FF2B5EF4-FFF2-40B4-BE49-F238E27FC236}">
+                <a16:creationId xmlns:a16="http://schemas.microsoft.com/office/drawing/2014/main" id="{8B2788DD-AD65-2106-8488-14DD51A2674A}"/>
+              </a:ext>
+            </a:extLst>
+          </p:cNvPr>
+          <p:cNvGrpSpPr/>
+          <p:nvPr/>
+        </p:nvGrpSpPr>
+        <p:grpSpPr>
+          <a:xfrm>
+            <a:off x="2046090" y="2127565"/>
+            <a:ext cx="3666656" cy="1192794"/>
+            <a:chOff x="7288047" y="1693262"/>
+            <a:chExt cx="3666656" cy="3258970"/>
+          </a:xfrm>
+        </p:grpSpPr>
+        <p:cxnSp>
+          <p:nvCxnSpPr>
+            <p:cNvPr id="3" name="Conector recto 2">
+              <a:extLst>
+                <a:ext uri="{FF2B5EF4-FFF2-40B4-BE49-F238E27FC236}">
+                  <a16:creationId xmlns:a16="http://schemas.microsoft.com/office/drawing/2014/main" id="{E2A12A02-9AB8-D2BD-BE21-CC2ABAE10466}"/>
+                </a:ext>
+              </a:extLst>
+            </p:cNvPr>
+            <p:cNvCxnSpPr>
+              <a:cxnSpLocks/>
+            </p:cNvCxnSpPr>
+            <p:nvPr/>
+          </p:nvCxnSpPr>
+          <p:spPr>
+            <a:xfrm>
+              <a:off x="7288047" y="4952232"/>
+              <a:ext cx="3274329" cy="0"/>
+            </a:xfrm>
+            <a:prstGeom prst="line">
+              <a:avLst/>
+            </a:prstGeom>
+            <a:ln w="12700">
+              <a:solidFill>
+                <a:schemeClr val="bg1"/>
+              </a:solidFill>
+            </a:ln>
+          </p:spPr>
+          <p:style>
+            <a:lnRef idx="1">
+              <a:schemeClr val="accent1"/>
+            </a:lnRef>
+            <a:fillRef idx="0">
+              <a:schemeClr val="accent1"/>
+            </a:fillRef>
+            <a:effectRef idx="0">
+              <a:schemeClr val="accent1"/>
+            </a:effectRef>
+            <a:fontRef idx="minor">
+              <a:schemeClr val="tx1"/>
+            </a:fontRef>
+          </p:style>
+        </p:cxnSp>
+        <p:sp>
+          <p:nvSpPr>
+            <p:cNvPr id="6" name="Arco 5">
+              <a:extLst>
+                <a:ext uri="{FF2B5EF4-FFF2-40B4-BE49-F238E27FC236}">
+                  <a16:creationId xmlns:a16="http://schemas.microsoft.com/office/drawing/2014/main" id="{9191BCA0-341D-57AD-C3E1-E222AD940060}"/>
+                </a:ext>
+              </a:extLst>
+            </p:cNvPr>
+            <p:cNvSpPr/>
+            <p:nvPr/>
+          </p:nvSpPr>
+          <p:spPr>
+            <a:xfrm>
+              <a:off x="10145920" y="4255128"/>
+              <a:ext cx="808783" cy="697104"/>
+            </a:xfrm>
+            <a:prstGeom prst="arc">
+              <a:avLst>
+                <a:gd name="adj1" fmla="val 36825"/>
+                <a:gd name="adj2" fmla="val 5426014"/>
+              </a:avLst>
+            </a:prstGeom>
+            <a:ln w="12700">
+              <a:solidFill>
+                <a:schemeClr val="bg1"/>
+              </a:solidFill>
+            </a:ln>
+          </p:spPr>
+          <p:style>
+            <a:lnRef idx="1">
+              <a:schemeClr val="accent1"/>
+            </a:lnRef>
+            <a:fillRef idx="0">
+              <a:schemeClr val="accent1"/>
+            </a:fillRef>
+            <a:effectRef idx="0">
+              <a:schemeClr val="accent1"/>
+            </a:effectRef>
+            <a:fontRef idx="minor">
+              <a:schemeClr val="tx1"/>
+            </a:fontRef>
+          </p:style>
+          <p:txBody>
+            <a:bodyPr rtlCol="0" anchor="ctr"/>
+            <a:lstStyle/>
+            <a:p>
+              <a:pPr algn="ctr"/>
+              <a:endParaRPr lang="ca-ES">
+                <a:highlight>
+                  <a:srgbClr val="00FF00"/>
+                </a:highlight>
+              </a:endParaRPr>
+            </a:p>
+          </p:txBody>
+        </p:sp>
+        <p:cxnSp>
+          <p:nvCxnSpPr>
+            <p:cNvPr id="7" name="Conector recto 6">
+              <a:extLst>
+                <a:ext uri="{FF2B5EF4-FFF2-40B4-BE49-F238E27FC236}">
+                  <a16:creationId xmlns:a16="http://schemas.microsoft.com/office/drawing/2014/main" id="{0141D262-2D12-B1FF-9593-6E77E318375B}"/>
+                </a:ext>
+              </a:extLst>
+            </p:cNvPr>
+            <p:cNvCxnSpPr>
+              <a:cxnSpLocks/>
+            </p:cNvCxnSpPr>
+            <p:nvPr/>
+          </p:nvCxnSpPr>
+          <p:spPr>
+            <a:xfrm>
+              <a:off x="10954703" y="1693262"/>
+              <a:ext cx="0" cy="2922759"/>
+            </a:xfrm>
+            <a:prstGeom prst="line">
+              <a:avLst/>
+            </a:prstGeom>
+            <a:ln w="12700">
+              <a:solidFill>
+                <a:schemeClr val="bg1"/>
+              </a:solidFill>
+            </a:ln>
+          </p:spPr>
+          <p:style>
+            <a:lnRef idx="1">
+              <a:schemeClr val="accent1"/>
+            </a:lnRef>
+            <a:fillRef idx="0">
+              <a:schemeClr val="accent1"/>
+            </a:fillRef>
+            <a:effectRef idx="0">
+              <a:schemeClr val="accent1"/>
+            </a:effectRef>
+            <a:fontRef idx="minor">
+              <a:schemeClr val="tx1"/>
+            </a:fontRef>
+          </p:style>
+        </p:cxnSp>
+      </p:grpSp>
+    </p:spTree>
+    <p:extLst>
+      <p:ext uri="{BB962C8B-B14F-4D97-AF65-F5344CB8AC3E}">
+        <p14:creationId xmlns:p14="http://schemas.microsoft.com/office/powerpoint/2010/main" val="1502307453"/>
+      </p:ext>
+    </p:extLst>
+  </p:cSld>
+  <p:clrMapOvr>
+    <a:masterClrMapping/>
+  </p:clrMapOvr>
+</p:sld>
+</file>
+
+<file path=ppt/slides/slide3.xml><?xml version="1.0" encoding="utf-8"?>
+<p:sld xmlns:a="http://schemas.openxmlformats.org/drawingml/2006/main" xmlns:r="http://schemas.openxmlformats.org/officeDocument/2006/relationships" xmlns:p="http://schemas.openxmlformats.org/presentationml/2006/main">
+  <p:cSld>
+    <p:spTree>
+      <p:nvGrpSpPr>
+        <p:cNvPr id="1" name=""/>
+        <p:cNvGrpSpPr/>
+        <p:nvPr/>
+      </p:nvGrpSpPr>
+      <p:grpSpPr>
+        <a:xfrm>
+          <a:off x="0" y="0"/>
+          <a:ext cx="0" cy="0"/>
+          <a:chOff x="0" y="0"/>
+          <a:chExt cx="0" cy="0"/>
+        </a:xfrm>
+      </p:grpSpPr>
+      <p:sp>
+        <p:nvSpPr>
+          <p:cNvPr id="4" name="Rectángulo 3">
+            <a:extLst>
+              <a:ext uri="{FF2B5EF4-FFF2-40B4-BE49-F238E27FC236}">
+                <a16:creationId xmlns:a16="http://schemas.microsoft.com/office/drawing/2014/main" id="{A6301555-F5B1-4164-897D-2596429B4614}"/>
+              </a:ext>
+            </a:extLst>
+          </p:cNvPr>
+          <p:cNvSpPr/>
+          <p:nvPr/>
+        </p:nvSpPr>
+        <p:spPr>
+          <a:xfrm>
+            <a:off x="986828" y="356843"/>
             <a:ext cx="10755517" cy="5576934"/>
           </a:xfrm>
           <a:prstGeom prst="rect">
@@ -1257,7 +1500,7 @@
 </p:sld>
 </file>
 
-<file path=ppt/slides/slide3.xml><?xml version="1.0" encoding="utf-8"?>
+<file path=ppt/slides/slide4.xml><?xml version="1.0" encoding="utf-8"?>
 <p:sld xmlns:a="http://schemas.openxmlformats.org/drawingml/2006/main" xmlns:r="http://schemas.openxmlformats.org/officeDocument/2006/relationships" xmlns:p="http://schemas.openxmlformats.org/presentationml/2006/main">
   <p:cSld>
     <p:spTree>
@@ -1394,7 +1637,7 @@
 </p:sld>
 </file>
 
-<file path=ppt/slides/slide4.xml><?xml version="1.0" encoding="utf-8"?>
+<file path=ppt/slides/slide5.xml><?xml version="1.0" encoding="utf-8"?>
 <p:sld xmlns:a="http://schemas.openxmlformats.org/drawingml/2006/main" xmlns:r="http://schemas.openxmlformats.org/officeDocument/2006/relationships" xmlns:p="http://schemas.openxmlformats.org/presentationml/2006/main">
   <p:cSld>
     <p:spTree>
